--- a/Presentation.pptx
+++ b/Presentation.pptx
@@ -114,6 +114,11 @@
       </a:defRPr>
     </a:lvl9pPr>
   </p:defaultTextStyle>
+  <p:extLst>
+    <p:ext uri="{EFAFB233-063F-42B5-8137-9DF3F51BA10A}">
+      <p15:sldGuideLst xmlns:p15="http://schemas.microsoft.com/office/powerpoint/2012/main"/>
+    </p:ext>
+  </p:extLst>
 </p:presentation>
 </file>
 
@@ -199,7 +204,7 @@
           <a:p>
             <a:fld id="{0754BD6A-366E-A841-8D0B-61944EFC25C3}" type="datetimeFigureOut">
               <a:rPr lang="en-US" smtClean="0"/>
-              <a:t>8/7/19</a:t>
+              <a:t>8/10/19</a:t>
             </a:fld>
             <a:endParaRPr lang="en-US"/>
           </a:p>
@@ -1771,7 +1776,7 @@
           <a:p>
             <a:fld id="{4BDF68E2-58F2-4D09-BE8B-E3BD06533059}" type="datetimeFigureOut">
               <a:rPr lang="en-US" smtClean="0"/>
-              <a:t>8/7/19</a:t>
+              <a:t>8/10/19</a:t>
             </a:fld>
             <a:endParaRPr lang="en-US" dirty="0"/>
           </a:p>
@@ -1974,7 +1979,7 @@
           <a:p>
             <a:fld id="{2E2D6473-DF6D-4702-B328-E0DD40540A4E}" type="datetimeFigureOut">
               <a:rPr lang="en-US" smtClean="0"/>
-              <a:t>8/7/19</a:t>
+              <a:t>8/10/19</a:t>
             </a:fld>
             <a:endParaRPr lang="en-US" dirty="0"/>
           </a:p>
@@ -2225,7 +2230,7 @@
           <a:p>
             <a:fld id="{E26F7E3A-B166-407D-9866-32884E7D5B37}" type="datetimeFigureOut">
               <a:rPr lang="en-US" smtClean="0"/>
-              <a:t>8/7/19</a:t>
+              <a:t>8/10/19</a:t>
             </a:fld>
             <a:endParaRPr lang="en-US" dirty="0"/>
           </a:p>
@@ -2390,7 +2395,7 @@
           <a:p>
             <a:fld id="{528FC5F6-F338-4AE4-BB23-26385BCFC423}" type="datetimeFigureOut">
               <a:rPr lang="en-US" smtClean="0"/>
-              <a:t>8/7/19</a:t>
+              <a:t>8/10/19</a:t>
             </a:fld>
             <a:endParaRPr lang="en-US" dirty="0"/>
           </a:p>
@@ -2728,7 +2733,7 @@
           <a:p>
             <a:fld id="{20EBB0C4-6273-4C6E-B9BD-2EDC30F1CD52}" type="datetimeFigureOut">
               <a:rPr lang="en-US" smtClean="0"/>
-              <a:t>8/7/19</a:t>
+              <a:t>8/10/19</a:t>
             </a:fld>
             <a:endParaRPr lang="en-US" dirty="0"/>
           </a:p>
@@ -2998,7 +3003,7 @@
           <a:p>
             <a:fld id="{19AB4D41-86C1-4908-B66A-0B50CEB3BF29}" type="datetimeFigureOut">
               <a:rPr lang="en-US" smtClean="0"/>
-              <a:t>8/7/19</a:t>
+              <a:t>8/10/19</a:t>
             </a:fld>
             <a:endParaRPr lang="en-US" dirty="0"/>
           </a:p>
@@ -3372,7 +3377,7 @@
           <a:p>
             <a:fld id="{E6426E2C-56C1-4E0D-A793-0088A7FDD37E}" type="datetimeFigureOut">
               <a:rPr lang="en-US" smtClean="0"/>
-              <a:t>8/7/19</a:t>
+              <a:t>8/10/19</a:t>
             </a:fld>
             <a:endParaRPr lang="en-US" dirty="0"/>
           </a:p>
@@ -3485,7 +3490,7 @@
           <a:p>
             <a:fld id="{C8C39B41-D8B5-4052-B551-9B5525EAA8B6}" type="datetimeFigureOut">
               <a:rPr lang="en-US" smtClean="0"/>
-              <a:t>8/7/19</a:t>
+              <a:t>8/10/19</a:t>
             </a:fld>
             <a:endParaRPr lang="en-US" dirty="0"/>
           </a:p>
@@ -3651,7 +3656,7 @@
           <a:p>
             <a:fld id="{4D94136C-8742-45B2-AF27-D93DF72833A9}" type="datetimeFigureOut">
               <a:rPr lang="en-US" smtClean="0"/>
-              <a:t>8/7/19</a:t>
+              <a:t>8/10/19</a:t>
             </a:fld>
             <a:endParaRPr lang="en-US" dirty="0"/>
           </a:p>
@@ -4001,7 +4006,7 @@
           <a:p>
             <a:fld id="{32ABBEA6-7C60-4B02-AE87-00D78D8422AF}" type="datetimeFigureOut">
               <a:rPr lang="en-US" smtClean="0"/>
-              <a:t>8/7/19</a:t>
+              <a:t>8/10/19</a:t>
             </a:fld>
             <a:endParaRPr lang="en-US" dirty="0"/>
           </a:p>
@@ -4374,7 +4379,7 @@
           <a:p>
             <a:fld id="{C9CAD897-D46E-4AD2-BD9B-49DD3E640873}" type="datetimeFigureOut">
               <a:rPr lang="en-US" smtClean="0"/>
-              <a:t>8/7/19</a:t>
+              <a:t>8/10/19</a:t>
             </a:fld>
             <a:endParaRPr lang="en-US" dirty="0"/>
           </a:p>
@@ -4656,7 +4661,7 @@
           <a:p>
             <a:fld id="{98624D31-43A5-475A-80CF-332C9F6DCF35}" type="datetimeFigureOut">
               <a:rPr lang="en-US" smtClean="0"/>
-              <a:t>8/7/19</a:t>
+              <a:t>8/10/19</a:t>
             </a:fld>
             <a:endParaRPr lang="en-US" dirty="0"/>
           </a:p>
@@ -5854,11 +5859,7 @@
                       </a:r>
                       <a:r>
                         <a:rPr lang="en-US" sz="1600" baseline="0" dirty="0" smtClean="0"/>
-                        <a:t> </a:t>
-                      </a:r>
-                      <a:r>
-                        <a:rPr lang="en-US" sz="1600" baseline="0" dirty="0" smtClean="0"/>
-                        <a:t>current campaign</a:t>
+                        <a:t> current campaign</a:t>
                       </a:r>
                       <a:endParaRPr lang="en-US" sz="1600" dirty="0"/>
                     </a:p>
@@ -5934,11 +5935,7 @@
                     <a:p>
                       <a:r>
                         <a:rPr lang="en-US" sz="1600" dirty="0" smtClean="0"/>
-                        <a:t>Previous </a:t>
-                      </a:r>
-                      <a:r>
-                        <a:rPr lang="en-US" sz="1600" dirty="0" smtClean="0"/>
-                        <a:t>call</a:t>
+                        <a:t>Previous call</a:t>
                       </a:r>
                       <a:r>
                         <a:rPr lang="en-US" sz="1600" baseline="0" dirty="0" smtClean="0"/>
@@ -6056,7 +6053,7 @@
       </p:sp>
       <p:pic>
         <p:nvPicPr>
-          <p:cNvPr id="6" name="Content Placeholder 5"/>
+          <p:cNvPr id="5" name="Content Placeholder 4"/>
           <p:cNvPicPr>
             <a:picLocks noGrp="1" noChangeAspect="1"/>
           </p:cNvPicPr>
@@ -6078,8 +6075,8 @@
         </p:blipFill>
         <p:spPr>
           <a:xfrm>
-            <a:off x="3822477" y="1846263"/>
-            <a:ext cx="4607372" cy="4022725"/>
+            <a:off x="3917062" y="1758142"/>
+            <a:ext cx="4418835" cy="4022725"/>
           </a:xfrm>
         </p:spPr>
       </p:pic>
